--- a/designpattern/ppt/设计模式（二）.pptx
+++ b/designpattern/ppt/设计模式（二）.pptx
@@ -6,23 +6,24 @@
   </p:sldMasterIdLst>
   <p:sldIdLst>
     <p:sldId id="256" r:id="rId2"/>
-    <p:sldId id="257" r:id="rId3"/>
-    <p:sldId id="262" r:id="rId4"/>
-    <p:sldId id="266" r:id="rId5"/>
-    <p:sldId id="268" r:id="rId6"/>
-    <p:sldId id="269" r:id="rId7"/>
-    <p:sldId id="270" r:id="rId8"/>
-    <p:sldId id="271" r:id="rId9"/>
-    <p:sldId id="272" r:id="rId10"/>
-    <p:sldId id="260" r:id="rId11"/>
-    <p:sldId id="261" r:id="rId12"/>
-    <p:sldId id="273" r:id="rId13"/>
-    <p:sldId id="278" r:id="rId14"/>
-    <p:sldId id="279" r:id="rId15"/>
-    <p:sldId id="280" r:id="rId16"/>
-    <p:sldId id="281" r:id="rId17"/>
-    <p:sldId id="265" r:id="rId18"/>
-    <p:sldId id="267" r:id="rId19"/>
+    <p:sldId id="282" r:id="rId3"/>
+    <p:sldId id="257" r:id="rId4"/>
+    <p:sldId id="262" r:id="rId5"/>
+    <p:sldId id="266" r:id="rId6"/>
+    <p:sldId id="268" r:id="rId7"/>
+    <p:sldId id="269" r:id="rId8"/>
+    <p:sldId id="270" r:id="rId9"/>
+    <p:sldId id="271" r:id="rId10"/>
+    <p:sldId id="272" r:id="rId11"/>
+    <p:sldId id="260" r:id="rId12"/>
+    <p:sldId id="261" r:id="rId13"/>
+    <p:sldId id="273" r:id="rId14"/>
+    <p:sldId id="278" r:id="rId15"/>
+    <p:sldId id="279" r:id="rId16"/>
+    <p:sldId id="280" r:id="rId17"/>
+    <p:sldId id="281" r:id="rId18"/>
+    <p:sldId id="265" r:id="rId19"/>
+    <p:sldId id="267" r:id="rId20"/>
   </p:sldIdLst>
   <p:sldSz cx="12192000" cy="6858000"/>
   <p:notesSz cx="6858000" cy="9144000"/>
@@ -6974,6 +6975,150 @@
       </p:grpSpPr>
       <p:sp>
         <p:nvSpPr>
+          <p:cNvPr id="4" name="圆角矩形 3"/>
+          <p:cNvSpPr/>
+          <p:nvPr/>
+        </p:nvSpPr>
+        <p:spPr>
+          <a:xfrm>
+            <a:off x="4071816" y="320431"/>
+            <a:ext cx="3040184" cy="914400"/>
+          </a:xfrm>
+          <a:prstGeom prst="roundRect">
+            <a:avLst/>
+          </a:prstGeom>
+        </p:spPr>
+        <p:style>
+          <a:lnRef idx="2">
+            <a:schemeClr val="accent1">
+              <a:shade val="50000"/>
+            </a:schemeClr>
+          </a:lnRef>
+          <a:fillRef idx="1">
+            <a:schemeClr val="accent1"/>
+          </a:fillRef>
+          <a:effectRef idx="0">
+            <a:schemeClr val="accent1"/>
+          </a:effectRef>
+          <a:fontRef idx="minor">
+            <a:schemeClr val="lt1"/>
+          </a:fontRef>
+        </p:style>
+        <p:txBody>
+          <a:bodyPr rtlCol="0" anchor="ctr"/>
+          <a:lstStyle/>
+          <a:p>
+            <a:pPr algn="ctr"/>
+            <a:r>
+              <a:rPr lang="zh-CN" altLang="en-US" dirty="0" smtClean="0"/>
+              <a:t>实现</a:t>
+            </a:r>
+            <a:endParaRPr lang="zh-CN" altLang="en-US" dirty="0"/>
+          </a:p>
+        </p:txBody>
+      </p:sp>
+      <p:sp>
+        <p:nvSpPr>
+          <p:cNvPr id="6" name="文本框 5"/>
+          <p:cNvSpPr txBox="1"/>
+          <p:nvPr/>
+        </p:nvSpPr>
+        <p:spPr>
+          <a:xfrm>
+            <a:off x="3930283" y="4297457"/>
+            <a:ext cx="3647152" cy="369332"/>
+          </a:xfrm>
+          <a:prstGeom prst="rect">
+            <a:avLst/>
+          </a:prstGeom>
+          <a:noFill/>
+        </p:spPr>
+        <p:txBody>
+          <a:bodyPr wrap="none" rtlCol="0">
+            <a:spAutoFit/>
+          </a:bodyPr>
+          <a:lstStyle/>
+          <a:p>
+            <a:r>
+              <a:rPr lang="zh-CN" altLang="en-US" dirty="0">
+                <a:solidFill>
+                  <a:schemeClr val="bg1"/>
+                </a:solidFill>
+              </a:rPr>
+              <a:t>一个类实现一个或多个接口的方法</a:t>
+            </a:r>
+          </a:p>
+        </p:txBody>
+      </p:sp>
+      <p:pic>
+        <p:nvPicPr>
+          <p:cNvPr id="2" name="图片 1"/>
+          <p:cNvPicPr>
+            <a:picLocks noChangeAspect="1"/>
+          </p:cNvPicPr>
+          <p:nvPr/>
+        </p:nvPicPr>
+        <p:blipFill>
+          <a:blip r:embed="rId2">
+            <a:extLst>
+              <a:ext uri="{28A0092B-C50C-407E-A947-70E740481C1C}">
+                <a14:useLocalDpi xmlns:a14="http://schemas.microsoft.com/office/drawing/2010/main" val="0"/>
+              </a:ext>
+            </a:extLst>
+          </a:blip>
+          <a:stretch>
+            <a:fillRect/>
+          </a:stretch>
+        </p:blipFill>
+        <p:spPr>
+          <a:xfrm>
+            <a:off x="4071816" y="2566621"/>
+            <a:ext cx="3714750" cy="1162050"/>
+          </a:xfrm>
+          <a:prstGeom prst="rect">
+            <a:avLst/>
+          </a:prstGeom>
+        </p:spPr>
+      </p:pic>
+    </p:spTree>
+    <p:extLst>
+      <p:ext uri="{BB962C8B-B14F-4D97-AF65-F5344CB8AC3E}">
+        <p14:creationId xmlns:p14="http://schemas.microsoft.com/office/powerpoint/2010/main" val="3020615378"/>
+      </p:ext>
+    </p:extLst>
+  </p:cSld>
+  <p:clrMapOvr>
+    <a:masterClrMapping/>
+  </p:clrMapOvr>
+  <p:timing>
+    <p:tnLst>
+      <p:par>
+        <p:cTn id="1" dur="indefinite" restart="never" nodeType="tmRoot"/>
+      </p:par>
+    </p:tnLst>
+  </p:timing>
+</p:sld>
+</file>
+
+<file path=ppt/slides/slide11.xml><?xml version="1.0" encoding="utf-8"?>
+<p:sld xmlns:a="http://schemas.openxmlformats.org/drawingml/2006/main" xmlns:r="http://schemas.openxmlformats.org/officeDocument/2006/relationships" xmlns:p="http://schemas.openxmlformats.org/presentationml/2006/main">
+  <p:cSld>
+    <p:spTree>
+      <p:nvGrpSpPr>
+        <p:cNvPr id="1" name=""/>
+        <p:cNvGrpSpPr/>
+        <p:nvPr/>
+      </p:nvGrpSpPr>
+      <p:grpSpPr>
+        <a:xfrm>
+          <a:off x="0" y="0"/>
+          <a:ext cx="0" cy="0"/>
+          <a:chOff x="0" y="0"/>
+          <a:chExt cx="0" cy="0"/>
+        </a:xfrm>
+      </p:grpSpPr>
+      <p:sp>
+        <p:nvSpPr>
           <p:cNvPr id="2" name="文本框 1"/>
           <p:cNvSpPr txBox="1"/>
           <p:nvPr/>
@@ -7069,7 +7214,7 @@
 </p:sld>
 </file>
 
-<file path=ppt/slides/slide11.xml><?xml version="1.0" encoding="utf-8"?>
+<file path=ppt/slides/slide12.xml><?xml version="1.0" encoding="utf-8"?>
 <p:sld xmlns:a="http://schemas.openxmlformats.org/drawingml/2006/main" xmlns:r="http://schemas.openxmlformats.org/officeDocument/2006/relationships" xmlns:p="http://schemas.openxmlformats.org/presentationml/2006/main">
   <p:cSld>
     <p:spTree>
@@ -7568,7 +7713,7 @@
 </p:sld>
 </file>
 
-<file path=ppt/slides/slide12.xml><?xml version="1.0" encoding="utf-8"?>
+<file path=ppt/slides/slide13.xml><?xml version="1.0" encoding="utf-8"?>
 <p:sld xmlns:a="http://schemas.openxmlformats.org/drawingml/2006/main" xmlns:r="http://schemas.openxmlformats.org/officeDocument/2006/relationships" xmlns:p="http://schemas.openxmlformats.org/presentationml/2006/main">
   <p:cSld>
     <p:spTree>
@@ -8020,7 +8165,7 @@
 </p:sld>
 </file>
 
-<file path=ppt/slides/slide13.xml><?xml version="1.0" encoding="utf-8"?>
+<file path=ppt/slides/slide14.xml><?xml version="1.0" encoding="utf-8"?>
 <p:sld xmlns:a="http://schemas.openxmlformats.org/drawingml/2006/main" xmlns:r="http://schemas.openxmlformats.org/officeDocument/2006/relationships" xmlns:p="http://schemas.openxmlformats.org/presentationml/2006/main">
   <p:cSld>
     <p:spTree>
@@ -8509,7 +8654,7 @@
 </p:sld>
 </file>
 
-<file path=ppt/slides/slide14.xml><?xml version="1.0" encoding="utf-8"?>
+<file path=ppt/slides/slide15.xml><?xml version="1.0" encoding="utf-8"?>
 <p:sld xmlns:a="http://schemas.openxmlformats.org/drawingml/2006/main" xmlns:r="http://schemas.openxmlformats.org/officeDocument/2006/relationships" xmlns:p="http://schemas.openxmlformats.org/presentationml/2006/main">
   <p:cSld>
     <p:spTree>
@@ -8942,7 +9087,7 @@
 </p:sld>
 </file>
 
-<file path=ppt/slides/slide15.xml><?xml version="1.0" encoding="utf-8"?>
+<file path=ppt/slides/slide16.xml><?xml version="1.0" encoding="utf-8"?>
 <p:sld xmlns:a="http://schemas.openxmlformats.org/drawingml/2006/main" xmlns:r="http://schemas.openxmlformats.org/officeDocument/2006/relationships" xmlns:p="http://schemas.openxmlformats.org/presentationml/2006/main">
   <p:cSld>
     <p:spTree>
@@ -9372,7 +9517,7 @@
 </p:sld>
 </file>
 
-<file path=ppt/slides/slide16.xml><?xml version="1.0" encoding="utf-8"?>
+<file path=ppt/slides/slide17.xml><?xml version="1.0" encoding="utf-8"?>
 <p:sld xmlns:a="http://schemas.openxmlformats.org/drawingml/2006/main" xmlns:r="http://schemas.openxmlformats.org/officeDocument/2006/relationships" xmlns:p="http://schemas.openxmlformats.org/presentationml/2006/main">
   <p:cSld>
     <p:spTree>
@@ -10014,7 +10159,7 @@
 </p:sld>
 </file>
 
-<file path=ppt/slides/slide17.xml><?xml version="1.0" encoding="utf-8"?>
+<file path=ppt/slides/slide18.xml><?xml version="1.0" encoding="utf-8"?>
 <p:sld xmlns:a="http://schemas.openxmlformats.org/drawingml/2006/main" xmlns:r="http://schemas.openxmlformats.org/officeDocument/2006/relationships" xmlns:p="http://schemas.openxmlformats.org/presentationml/2006/main">
   <p:cSld>
     <p:spTree>
@@ -10905,7 +11050,7 @@
 </p:sld>
 </file>
 
-<file path=ppt/slides/slide18.xml><?xml version="1.0" encoding="utf-8"?>
+<file path=ppt/slides/slide19.xml><?xml version="1.0" encoding="utf-8"?>
 <p:sld xmlns:a="http://schemas.openxmlformats.org/drawingml/2006/main" xmlns:r="http://schemas.openxmlformats.org/officeDocument/2006/relationships" xmlns:p="http://schemas.openxmlformats.org/presentationml/2006/main">
   <p:cSld>
     <p:spTree>
@@ -11097,6 +11242,712 @@
                   <a:schemeClr val="bg1"/>
                 </a:solidFill>
               </a:rPr>
+              <a:t>六大原则</a:t>
+            </a:r>
+            <a:endParaRPr lang="zh-CN" altLang="en-US" sz="6000" dirty="0">
+              <a:solidFill>
+                <a:schemeClr val="bg1"/>
+              </a:solidFill>
+            </a:endParaRPr>
+          </a:p>
+        </p:txBody>
+      </p:sp>
+      <p:sp>
+        <p:nvSpPr>
+          <p:cNvPr id="4" name="文本框 3"/>
+          <p:cNvSpPr txBox="1"/>
+          <p:nvPr/>
+        </p:nvSpPr>
+        <p:spPr>
+          <a:xfrm>
+            <a:off x="2622057" y="2749382"/>
+            <a:ext cx="7713785" cy="461665"/>
+          </a:xfrm>
+          <a:prstGeom prst="rect">
+            <a:avLst/>
+          </a:prstGeom>
+          <a:noFill/>
+        </p:spPr>
+        <p:txBody>
+          <a:bodyPr wrap="square" rtlCol="0">
+            <a:spAutoFit/>
+          </a:bodyPr>
+          <a:lstStyle/>
+          <a:p>
+            <a:r>
+              <a:rPr lang="zh-CN" altLang="en-US" sz="2400" dirty="0" smtClean="0">
+                <a:solidFill>
+                  <a:schemeClr val="bg1"/>
+                </a:solidFill>
+                <a:hlinkClick r:id="rId2"/>
+              </a:rPr>
+              <a:t>单一职责</a:t>
+            </a:r>
+            <a:r>
+              <a:rPr lang="en-US" altLang="zh-CN" sz="2400" dirty="0" smtClean="0">
+                <a:solidFill>
+                  <a:schemeClr val="bg1"/>
+                </a:solidFill>
+                <a:hlinkClick r:id="rId2"/>
+              </a:rPr>
+              <a:t>(Single Responsibility Principle</a:t>
+            </a:r>
+            <a:r>
+              <a:rPr lang="en-US" altLang="zh-CN" sz="2400" dirty="0">
+                <a:solidFill>
+                  <a:schemeClr val="bg1"/>
+                </a:solidFill>
+                <a:hlinkClick r:id="rId2"/>
+              </a:rPr>
+              <a:t>)</a:t>
+            </a:r>
+            <a:endParaRPr lang="zh-CN" altLang="en-US" sz="2400" dirty="0">
+              <a:solidFill>
+                <a:srgbClr val="C00000"/>
+              </a:solidFill>
+            </a:endParaRPr>
+          </a:p>
+        </p:txBody>
+      </p:sp>
+      <p:sp>
+        <p:nvSpPr>
+          <p:cNvPr id="5" name="文本框 4"/>
+          <p:cNvSpPr txBox="1"/>
+          <p:nvPr/>
+        </p:nvSpPr>
+        <p:spPr>
+          <a:xfrm>
+            <a:off x="2622052" y="3287946"/>
+            <a:ext cx="7713785" cy="830997"/>
+          </a:xfrm>
+          <a:prstGeom prst="rect">
+            <a:avLst/>
+          </a:prstGeom>
+          <a:noFill/>
+        </p:spPr>
+        <p:txBody>
+          <a:bodyPr wrap="square" rtlCol="0">
+            <a:spAutoFit/>
+          </a:bodyPr>
+          <a:lstStyle/>
+          <a:p>
+            <a:r>
+              <a:rPr lang="zh-CN" altLang="en-US" sz="2400" dirty="0" smtClean="0">
+                <a:solidFill>
+                  <a:schemeClr val="bg1"/>
+                </a:solidFill>
+                <a:hlinkClick r:id="rId3"/>
+              </a:rPr>
+              <a:t>里氏代换</a:t>
+            </a:r>
+            <a:r>
+              <a:rPr lang="en-US" altLang="zh-CN" sz="2400" dirty="0" smtClean="0">
+                <a:solidFill>
+                  <a:schemeClr val="bg1"/>
+                </a:solidFill>
+                <a:hlinkClick r:id="rId3"/>
+              </a:rPr>
+              <a:t>(</a:t>
+            </a:r>
+            <a:r>
+              <a:rPr lang="en-US" altLang="zh-CN" sz="2400" dirty="0" err="1" smtClean="0">
+                <a:solidFill>
+                  <a:schemeClr val="bg1"/>
+                </a:solidFill>
+                <a:hlinkClick r:id="rId3"/>
+              </a:rPr>
+              <a:t>Liskov</a:t>
+            </a:r>
+            <a:r>
+              <a:rPr lang="en-US" altLang="zh-CN" sz="2400" dirty="0" smtClean="0">
+                <a:solidFill>
+                  <a:schemeClr val="bg1"/>
+                </a:solidFill>
+                <a:hlinkClick r:id="rId3"/>
+              </a:rPr>
+              <a:t> Substitution Principle)</a:t>
+            </a:r>
+            <a:endParaRPr lang="zh-CN" altLang="en-US" sz="2400" dirty="0" smtClean="0">
+              <a:solidFill>
+                <a:srgbClr val="C00000"/>
+              </a:solidFill>
+            </a:endParaRPr>
+          </a:p>
+          <a:p>
+            <a:endParaRPr lang="zh-CN" altLang="en-US" sz="2400" dirty="0">
+              <a:solidFill>
+                <a:srgbClr val="C00000"/>
+              </a:solidFill>
+            </a:endParaRPr>
+          </a:p>
+        </p:txBody>
+      </p:sp>
+      <p:sp>
+        <p:nvSpPr>
+          <p:cNvPr id="6" name="文本框 5"/>
+          <p:cNvSpPr txBox="1"/>
+          <p:nvPr/>
+        </p:nvSpPr>
+        <p:spPr>
+          <a:xfrm>
+            <a:off x="2622052" y="3868665"/>
+            <a:ext cx="7713785" cy="830997"/>
+          </a:xfrm>
+          <a:prstGeom prst="rect">
+            <a:avLst/>
+          </a:prstGeom>
+          <a:noFill/>
+        </p:spPr>
+        <p:txBody>
+          <a:bodyPr wrap="square" rtlCol="0">
+            <a:spAutoFit/>
+          </a:bodyPr>
+          <a:lstStyle/>
+          <a:p>
+            <a:r>
+              <a:rPr lang="zh-CN" altLang="en-US" sz="2400" dirty="0" smtClean="0">
+                <a:solidFill>
+                  <a:schemeClr val="bg1"/>
+                </a:solidFill>
+                <a:hlinkClick r:id="rId4"/>
+              </a:rPr>
+              <a:t>依赖倒置</a:t>
+            </a:r>
+            <a:r>
+              <a:rPr lang="en-US" altLang="zh-CN" sz="2400" dirty="0" smtClean="0">
+                <a:solidFill>
+                  <a:schemeClr val="bg1"/>
+                </a:solidFill>
+                <a:hlinkClick r:id="rId4"/>
+              </a:rPr>
+              <a:t>(Dependence Inversion Principle)</a:t>
+            </a:r>
+            <a:endParaRPr lang="zh-CN" altLang="en-US" sz="2400" dirty="0" smtClean="0">
+              <a:solidFill>
+                <a:srgbClr val="C00000"/>
+              </a:solidFill>
+            </a:endParaRPr>
+          </a:p>
+          <a:p>
+            <a:endParaRPr lang="zh-CN" altLang="en-US" sz="2400" dirty="0">
+              <a:solidFill>
+                <a:srgbClr val="C00000"/>
+              </a:solidFill>
+            </a:endParaRPr>
+          </a:p>
+        </p:txBody>
+      </p:sp>
+      <p:sp>
+        <p:nvSpPr>
+          <p:cNvPr id="7" name="文本框 6"/>
+          <p:cNvSpPr txBox="1"/>
+          <p:nvPr/>
+        </p:nvSpPr>
+        <p:spPr>
+          <a:xfrm>
+            <a:off x="2622051" y="4466764"/>
+            <a:ext cx="7713785" cy="461665"/>
+          </a:xfrm>
+          <a:prstGeom prst="rect">
+            <a:avLst/>
+          </a:prstGeom>
+          <a:noFill/>
+        </p:spPr>
+        <p:txBody>
+          <a:bodyPr wrap="square" rtlCol="0">
+            <a:spAutoFit/>
+          </a:bodyPr>
+          <a:lstStyle/>
+          <a:p>
+            <a:r>
+              <a:rPr lang="zh-CN" altLang="en-US" sz="2400" dirty="0" smtClean="0">
+                <a:solidFill>
+                  <a:schemeClr val="bg1"/>
+                </a:solidFill>
+                <a:hlinkClick r:id="rId5"/>
+              </a:rPr>
+              <a:t>接口隔离</a:t>
+            </a:r>
+            <a:r>
+              <a:rPr lang="en-US" altLang="zh-CN" sz="2400" dirty="0" smtClean="0">
+                <a:solidFill>
+                  <a:schemeClr val="bg1"/>
+                </a:solidFill>
+                <a:hlinkClick r:id="rId5"/>
+              </a:rPr>
+              <a:t>(Interface Segregation Principle)</a:t>
+            </a:r>
+            <a:endParaRPr lang="zh-CN" altLang="en-US" sz="2400" dirty="0">
+              <a:solidFill>
+                <a:srgbClr val="C00000"/>
+              </a:solidFill>
+            </a:endParaRPr>
+          </a:p>
+        </p:txBody>
+      </p:sp>
+      <p:sp>
+        <p:nvSpPr>
+          <p:cNvPr id="8" name="文本框 7"/>
+          <p:cNvSpPr txBox="1"/>
+          <p:nvPr/>
+        </p:nvSpPr>
+        <p:spPr>
+          <a:xfrm>
+            <a:off x="2622051" y="5077793"/>
+            <a:ext cx="7713785" cy="461665"/>
+          </a:xfrm>
+          <a:prstGeom prst="rect">
+            <a:avLst/>
+          </a:prstGeom>
+          <a:noFill/>
+        </p:spPr>
+        <p:txBody>
+          <a:bodyPr wrap="square" rtlCol="0">
+            <a:spAutoFit/>
+          </a:bodyPr>
+          <a:lstStyle/>
+          <a:p>
+            <a:r>
+              <a:rPr lang="zh-CN" altLang="en-US" sz="2400" dirty="0" smtClean="0">
+                <a:solidFill>
+                  <a:schemeClr val="bg1"/>
+                </a:solidFill>
+                <a:hlinkClick r:id="rId6"/>
+              </a:rPr>
+              <a:t>迪米特</a:t>
+            </a:r>
+            <a:r>
+              <a:rPr lang="en-US" altLang="zh-CN" sz="2400" dirty="0" smtClean="0">
+                <a:solidFill>
+                  <a:schemeClr val="bg1"/>
+                </a:solidFill>
+                <a:hlinkClick r:id="rId6"/>
+              </a:rPr>
+              <a:t>(Demeter Principle)</a:t>
+            </a:r>
+            <a:endParaRPr lang="zh-CN" altLang="en-US" sz="2400" dirty="0">
+              <a:solidFill>
+                <a:srgbClr val="C00000"/>
+              </a:solidFill>
+            </a:endParaRPr>
+          </a:p>
+        </p:txBody>
+      </p:sp>
+      <p:sp>
+        <p:nvSpPr>
+          <p:cNvPr id="9" name="文本框 8"/>
+          <p:cNvSpPr txBox="1"/>
+          <p:nvPr/>
+        </p:nvSpPr>
+        <p:spPr>
+          <a:xfrm>
+            <a:off x="2622053" y="5733784"/>
+            <a:ext cx="7713785" cy="461665"/>
+          </a:xfrm>
+          <a:prstGeom prst="rect">
+            <a:avLst/>
+          </a:prstGeom>
+          <a:noFill/>
+        </p:spPr>
+        <p:txBody>
+          <a:bodyPr wrap="square" rtlCol="0">
+            <a:spAutoFit/>
+          </a:bodyPr>
+          <a:lstStyle/>
+          <a:p>
+            <a:r>
+              <a:rPr lang="zh-CN" altLang="en-US" sz="2400" dirty="0" smtClean="0">
+                <a:solidFill>
+                  <a:schemeClr val="bg1"/>
+                </a:solidFill>
+                <a:hlinkClick r:id="rId7"/>
+              </a:rPr>
+              <a:t>开闭</a:t>
+            </a:r>
+            <a:r>
+              <a:rPr lang="en-US" altLang="zh-CN" sz="2400" dirty="0" smtClean="0">
+                <a:solidFill>
+                  <a:schemeClr val="bg1"/>
+                </a:solidFill>
+                <a:hlinkClick r:id="rId7"/>
+              </a:rPr>
+              <a:t>(Open Close Principle)</a:t>
+            </a:r>
+            <a:endParaRPr lang="zh-CN" altLang="en-US" sz="2400" dirty="0">
+              <a:solidFill>
+                <a:srgbClr val="C00000"/>
+              </a:solidFill>
+            </a:endParaRPr>
+          </a:p>
+        </p:txBody>
+      </p:sp>
+    </p:spTree>
+    <p:extLst>
+      <p:ext uri="{BB962C8B-B14F-4D97-AF65-F5344CB8AC3E}">
+        <p14:creationId xmlns:p14="http://schemas.microsoft.com/office/powerpoint/2010/main" val="1811712589"/>
+      </p:ext>
+    </p:extLst>
+  </p:cSld>
+  <p:clrMapOvr>
+    <a:masterClrMapping/>
+  </p:clrMapOvr>
+  <p:timing>
+    <p:tnLst>
+      <p:par>
+        <p:cTn id="1" dur="indefinite" restart="never" nodeType="tmRoot">
+          <p:childTnLst>
+            <p:seq concurrent="1" nextAc="seek">
+              <p:cTn id="2" dur="indefinite" nodeType="mainSeq">
+                <p:childTnLst>
+                  <p:par>
+                    <p:cTn id="3" fill="hold">
+                      <p:stCondLst>
+                        <p:cond delay="indefinite"/>
+                      </p:stCondLst>
+                      <p:childTnLst>
+                        <p:par>
+                          <p:cTn id="4" fill="hold">
+                            <p:stCondLst>
+                              <p:cond delay="0"/>
+                            </p:stCondLst>
+                            <p:childTnLst>
+                              <p:par>
+                                <p:cTn id="5" presetID="1" presetClass="entr" presetSubtype="0" fill="hold" grpId="0" nodeType="clickEffect">
+                                  <p:stCondLst>
+                                    <p:cond delay="0"/>
+                                  </p:stCondLst>
+                                  <p:childTnLst>
+                                    <p:set>
+                                      <p:cBhvr>
+                                        <p:cTn id="6" dur="1" fill="hold">
+                                          <p:stCondLst>
+                                            <p:cond delay="0"/>
+                                          </p:stCondLst>
+                                        </p:cTn>
+                                        <p:tgtEl>
+                                          <p:spTgt spid="4"/>
+                                        </p:tgtEl>
+                                        <p:attrNameLst>
+                                          <p:attrName>style.visibility</p:attrName>
+                                        </p:attrNameLst>
+                                      </p:cBhvr>
+                                      <p:to>
+                                        <p:strVal val="visible"/>
+                                      </p:to>
+                                    </p:set>
+                                  </p:childTnLst>
+                                </p:cTn>
+                              </p:par>
+                            </p:childTnLst>
+                          </p:cTn>
+                        </p:par>
+                      </p:childTnLst>
+                    </p:cTn>
+                  </p:par>
+                  <p:par>
+                    <p:cTn id="7" fill="hold">
+                      <p:stCondLst>
+                        <p:cond delay="indefinite"/>
+                      </p:stCondLst>
+                      <p:childTnLst>
+                        <p:par>
+                          <p:cTn id="8" fill="hold">
+                            <p:stCondLst>
+                              <p:cond delay="0"/>
+                            </p:stCondLst>
+                            <p:childTnLst>
+                              <p:par>
+                                <p:cTn id="9" presetID="1" presetClass="entr" presetSubtype="0" fill="hold" grpId="0" nodeType="clickEffect">
+                                  <p:stCondLst>
+                                    <p:cond delay="0"/>
+                                  </p:stCondLst>
+                                  <p:childTnLst>
+                                    <p:set>
+                                      <p:cBhvr>
+                                        <p:cTn id="10" dur="1" fill="hold">
+                                          <p:stCondLst>
+                                            <p:cond delay="0"/>
+                                          </p:stCondLst>
+                                        </p:cTn>
+                                        <p:tgtEl>
+                                          <p:spTgt spid="5"/>
+                                        </p:tgtEl>
+                                        <p:attrNameLst>
+                                          <p:attrName>style.visibility</p:attrName>
+                                        </p:attrNameLst>
+                                      </p:cBhvr>
+                                      <p:to>
+                                        <p:strVal val="visible"/>
+                                      </p:to>
+                                    </p:set>
+                                  </p:childTnLst>
+                                </p:cTn>
+                              </p:par>
+                            </p:childTnLst>
+                          </p:cTn>
+                        </p:par>
+                      </p:childTnLst>
+                    </p:cTn>
+                  </p:par>
+                  <p:par>
+                    <p:cTn id="11" fill="hold">
+                      <p:stCondLst>
+                        <p:cond delay="indefinite"/>
+                      </p:stCondLst>
+                      <p:childTnLst>
+                        <p:par>
+                          <p:cTn id="12" fill="hold">
+                            <p:stCondLst>
+                              <p:cond delay="0"/>
+                            </p:stCondLst>
+                            <p:childTnLst>
+                              <p:par>
+                                <p:cTn id="13" presetID="1" presetClass="entr" presetSubtype="0" fill="hold" grpId="0" nodeType="clickEffect">
+                                  <p:stCondLst>
+                                    <p:cond delay="0"/>
+                                  </p:stCondLst>
+                                  <p:childTnLst>
+                                    <p:set>
+                                      <p:cBhvr>
+                                        <p:cTn id="14" dur="1" fill="hold">
+                                          <p:stCondLst>
+                                            <p:cond delay="0"/>
+                                          </p:stCondLst>
+                                        </p:cTn>
+                                        <p:tgtEl>
+                                          <p:spTgt spid="6"/>
+                                        </p:tgtEl>
+                                        <p:attrNameLst>
+                                          <p:attrName>style.visibility</p:attrName>
+                                        </p:attrNameLst>
+                                      </p:cBhvr>
+                                      <p:to>
+                                        <p:strVal val="visible"/>
+                                      </p:to>
+                                    </p:set>
+                                  </p:childTnLst>
+                                </p:cTn>
+                              </p:par>
+                            </p:childTnLst>
+                          </p:cTn>
+                        </p:par>
+                      </p:childTnLst>
+                    </p:cTn>
+                  </p:par>
+                  <p:par>
+                    <p:cTn id="15" fill="hold">
+                      <p:stCondLst>
+                        <p:cond delay="indefinite"/>
+                      </p:stCondLst>
+                      <p:childTnLst>
+                        <p:par>
+                          <p:cTn id="16" fill="hold">
+                            <p:stCondLst>
+                              <p:cond delay="0"/>
+                            </p:stCondLst>
+                            <p:childTnLst>
+                              <p:par>
+                                <p:cTn id="17" presetID="1" presetClass="entr" presetSubtype="0" fill="hold" grpId="0" nodeType="clickEffect">
+                                  <p:stCondLst>
+                                    <p:cond delay="0"/>
+                                  </p:stCondLst>
+                                  <p:childTnLst>
+                                    <p:set>
+                                      <p:cBhvr>
+                                        <p:cTn id="18" dur="1" fill="hold">
+                                          <p:stCondLst>
+                                            <p:cond delay="0"/>
+                                          </p:stCondLst>
+                                        </p:cTn>
+                                        <p:tgtEl>
+                                          <p:spTgt spid="7"/>
+                                        </p:tgtEl>
+                                        <p:attrNameLst>
+                                          <p:attrName>style.visibility</p:attrName>
+                                        </p:attrNameLst>
+                                      </p:cBhvr>
+                                      <p:to>
+                                        <p:strVal val="visible"/>
+                                      </p:to>
+                                    </p:set>
+                                  </p:childTnLst>
+                                </p:cTn>
+                              </p:par>
+                            </p:childTnLst>
+                          </p:cTn>
+                        </p:par>
+                      </p:childTnLst>
+                    </p:cTn>
+                  </p:par>
+                  <p:par>
+                    <p:cTn id="19" fill="hold">
+                      <p:stCondLst>
+                        <p:cond delay="indefinite"/>
+                      </p:stCondLst>
+                      <p:childTnLst>
+                        <p:par>
+                          <p:cTn id="20" fill="hold">
+                            <p:stCondLst>
+                              <p:cond delay="0"/>
+                            </p:stCondLst>
+                            <p:childTnLst>
+                              <p:par>
+                                <p:cTn id="21" presetID="1" presetClass="entr" presetSubtype="0" fill="hold" grpId="0" nodeType="clickEffect">
+                                  <p:stCondLst>
+                                    <p:cond delay="0"/>
+                                  </p:stCondLst>
+                                  <p:childTnLst>
+                                    <p:set>
+                                      <p:cBhvr>
+                                        <p:cTn id="22" dur="1" fill="hold">
+                                          <p:stCondLst>
+                                            <p:cond delay="0"/>
+                                          </p:stCondLst>
+                                        </p:cTn>
+                                        <p:tgtEl>
+                                          <p:spTgt spid="8"/>
+                                        </p:tgtEl>
+                                        <p:attrNameLst>
+                                          <p:attrName>style.visibility</p:attrName>
+                                        </p:attrNameLst>
+                                      </p:cBhvr>
+                                      <p:to>
+                                        <p:strVal val="visible"/>
+                                      </p:to>
+                                    </p:set>
+                                  </p:childTnLst>
+                                </p:cTn>
+                              </p:par>
+                            </p:childTnLst>
+                          </p:cTn>
+                        </p:par>
+                      </p:childTnLst>
+                    </p:cTn>
+                  </p:par>
+                  <p:par>
+                    <p:cTn id="23" fill="hold">
+                      <p:stCondLst>
+                        <p:cond delay="indefinite"/>
+                      </p:stCondLst>
+                      <p:childTnLst>
+                        <p:par>
+                          <p:cTn id="24" fill="hold">
+                            <p:stCondLst>
+                              <p:cond delay="0"/>
+                            </p:stCondLst>
+                            <p:childTnLst>
+                              <p:par>
+                                <p:cTn id="25" presetID="1" presetClass="entr" presetSubtype="0" fill="hold" grpId="0" nodeType="clickEffect">
+                                  <p:stCondLst>
+                                    <p:cond delay="0"/>
+                                  </p:stCondLst>
+                                  <p:childTnLst>
+                                    <p:set>
+                                      <p:cBhvr>
+                                        <p:cTn id="26" dur="1" fill="hold">
+                                          <p:stCondLst>
+                                            <p:cond delay="0"/>
+                                          </p:stCondLst>
+                                        </p:cTn>
+                                        <p:tgtEl>
+                                          <p:spTgt spid="9"/>
+                                        </p:tgtEl>
+                                        <p:attrNameLst>
+                                          <p:attrName>style.visibility</p:attrName>
+                                        </p:attrNameLst>
+                                      </p:cBhvr>
+                                      <p:to>
+                                        <p:strVal val="visible"/>
+                                      </p:to>
+                                    </p:set>
+                                  </p:childTnLst>
+                                </p:cTn>
+                              </p:par>
+                            </p:childTnLst>
+                          </p:cTn>
+                        </p:par>
+                      </p:childTnLst>
+                    </p:cTn>
+                  </p:par>
+                </p:childTnLst>
+              </p:cTn>
+              <p:prevCondLst>
+                <p:cond evt="onPrev" delay="0">
+                  <p:tgtEl>
+                    <p:sldTgt/>
+                  </p:tgtEl>
+                </p:cond>
+              </p:prevCondLst>
+              <p:nextCondLst>
+                <p:cond evt="onNext" delay="0">
+                  <p:tgtEl>
+                    <p:sldTgt/>
+                  </p:tgtEl>
+                </p:cond>
+              </p:nextCondLst>
+            </p:seq>
+          </p:childTnLst>
+        </p:cTn>
+      </p:par>
+    </p:tnLst>
+    <p:bldLst>
+      <p:bldP spid="4" grpId="0"/>
+      <p:bldP spid="5" grpId="0"/>
+      <p:bldP spid="6" grpId="0"/>
+      <p:bldP spid="7" grpId="0"/>
+      <p:bldP spid="8" grpId="0"/>
+      <p:bldP spid="9" grpId="0"/>
+    </p:bldLst>
+  </p:timing>
+</p:sld>
+</file>
+
+<file path=ppt/slides/slide3.xml><?xml version="1.0" encoding="utf-8"?>
+<p:sld xmlns:a="http://schemas.openxmlformats.org/drawingml/2006/main" xmlns:r="http://schemas.openxmlformats.org/officeDocument/2006/relationships" xmlns:p="http://schemas.openxmlformats.org/presentationml/2006/main">
+  <p:cSld>
+    <p:spTree>
+      <p:nvGrpSpPr>
+        <p:cNvPr id="1" name=""/>
+        <p:cNvGrpSpPr/>
+        <p:nvPr/>
+      </p:nvGrpSpPr>
+      <p:grpSpPr>
+        <a:xfrm>
+          <a:off x="0" y="0"/>
+          <a:ext cx="0" cy="0"/>
+          <a:chOff x="0" y="0"/>
+          <a:chExt cx="0" cy="0"/>
+        </a:xfrm>
+      </p:grpSpPr>
+      <p:sp>
+        <p:nvSpPr>
+          <p:cNvPr id="2" name="文本框 1"/>
+          <p:cNvSpPr txBox="1"/>
+          <p:nvPr/>
+        </p:nvSpPr>
+        <p:spPr>
+          <a:xfrm>
+            <a:off x="0" y="1117601"/>
+            <a:ext cx="12129477" cy="1015663"/>
+          </a:xfrm>
+          <a:prstGeom prst="rect">
+            <a:avLst/>
+          </a:prstGeom>
+          <a:noFill/>
+        </p:spPr>
+        <p:txBody>
+          <a:bodyPr wrap="square" rtlCol="0">
+            <a:spAutoFit/>
+          </a:bodyPr>
+          <a:lstStyle/>
+          <a:p>
+            <a:pPr algn="ctr"/>
+            <a:r>
+              <a:rPr lang="zh-CN" altLang="en-US" sz="6000" dirty="0" smtClean="0">
+                <a:solidFill>
+                  <a:schemeClr val="bg1"/>
+                </a:solidFill>
+              </a:rPr>
               <a:t>创建型设计模式</a:t>
             </a:r>
             <a:endParaRPr lang="zh-CN" altLang="en-US" sz="6000" dirty="0">
@@ -11136,6 +11987,82 @@
                 </a:solidFill>
               </a:rPr>
               <a:t>创建对象</a:t>
+            </a:r>
+            <a:endParaRPr lang="zh-CN" altLang="en-US" sz="2400" dirty="0">
+              <a:solidFill>
+                <a:srgbClr val="C00000"/>
+              </a:solidFill>
+            </a:endParaRPr>
+          </a:p>
+        </p:txBody>
+      </p:sp>
+      <p:sp>
+        <p:nvSpPr>
+          <p:cNvPr id="5" name="文本框 4"/>
+          <p:cNvSpPr txBox="1"/>
+          <p:nvPr/>
+        </p:nvSpPr>
+        <p:spPr>
+          <a:xfrm>
+            <a:off x="2469659" y="3344093"/>
+            <a:ext cx="7713785" cy="461665"/>
+          </a:xfrm>
+          <a:prstGeom prst="rect">
+            <a:avLst/>
+          </a:prstGeom>
+          <a:noFill/>
+        </p:spPr>
+        <p:txBody>
+          <a:bodyPr wrap="square" rtlCol="0">
+            <a:spAutoFit/>
+          </a:bodyPr>
+          <a:lstStyle/>
+          <a:p>
+            <a:r>
+              <a:rPr lang="zh-CN" altLang="en-US" sz="2400" dirty="0">
+                <a:solidFill>
+                  <a:schemeClr val="bg1"/>
+                </a:solidFill>
+              </a:rPr>
+              <a:t>它们都将系统使用哪些具体类的信息封装起来</a:t>
+            </a:r>
+            <a:endParaRPr lang="zh-CN" altLang="en-US" sz="2400" dirty="0">
+              <a:solidFill>
+                <a:srgbClr val="C00000"/>
+              </a:solidFill>
+            </a:endParaRPr>
+          </a:p>
+        </p:txBody>
+      </p:sp>
+      <p:sp>
+        <p:nvSpPr>
+          <p:cNvPr id="6" name="文本框 5"/>
+          <p:cNvSpPr txBox="1"/>
+          <p:nvPr/>
+        </p:nvSpPr>
+        <p:spPr>
+          <a:xfrm>
+            <a:off x="2469659" y="4076729"/>
+            <a:ext cx="7713785" cy="461665"/>
+          </a:xfrm>
+          <a:prstGeom prst="rect">
+            <a:avLst/>
+          </a:prstGeom>
+          <a:noFill/>
+        </p:spPr>
+        <p:txBody>
+          <a:bodyPr wrap="square" rtlCol="0">
+            <a:spAutoFit/>
+          </a:bodyPr>
+          <a:lstStyle/>
+          <a:p>
+            <a:r>
+              <a:rPr lang="zh-CN" altLang="en-US" sz="2400" dirty="0">
+                <a:solidFill>
+                  <a:schemeClr val="bg1"/>
+                </a:solidFill>
+              </a:rPr>
+              <a:t>它们隐藏了这些类的实例是如何被创建和组织的</a:t>
             </a:r>
             <a:endParaRPr lang="zh-CN" altLang="en-US" sz="2400" dirty="0">
               <a:solidFill>
@@ -11208,6 +12135,96 @@
                       </p:childTnLst>
                     </p:cTn>
                   </p:par>
+                  <p:par>
+                    <p:cTn id="7" fill="hold">
+                      <p:stCondLst>
+                        <p:cond delay="indefinite"/>
+                      </p:stCondLst>
+                      <p:childTnLst>
+                        <p:par>
+                          <p:cTn id="8" fill="hold">
+                            <p:stCondLst>
+                              <p:cond delay="0"/>
+                            </p:stCondLst>
+                            <p:childTnLst>
+                              <p:par>
+                                <p:cTn id="9" presetID="1" presetClass="entr" presetSubtype="0" fill="hold" grpId="0" nodeType="clickEffect">
+                                  <p:stCondLst>
+                                    <p:cond delay="0"/>
+                                  </p:stCondLst>
+                                  <p:childTnLst>
+                                    <p:set>
+                                      <p:cBhvr>
+                                        <p:cTn id="10" dur="1" fill="hold">
+                                          <p:stCondLst>
+                                            <p:cond delay="0"/>
+                                          </p:stCondLst>
+                                        </p:cTn>
+                                        <p:tgtEl>
+                                          <p:spTgt spid="5"/>
+                                        </p:tgtEl>
+                                        <p:attrNameLst>
+                                          <p:attrName>style.visibility</p:attrName>
+                                        </p:attrNameLst>
+                                      </p:cBhvr>
+                                      <p:to>
+                                        <p:strVal val="visible"/>
+                                      </p:to>
+                                    </p:set>
+                                  </p:childTnLst>
+                                </p:cTn>
+                              </p:par>
+                            </p:childTnLst>
+                          </p:cTn>
+                        </p:par>
+                      </p:childTnLst>
+                    </p:cTn>
+                  </p:par>
+                  <p:par>
+                    <p:cTn id="11" fill="hold">
+                      <p:stCondLst>
+                        <p:cond delay="indefinite"/>
+                      </p:stCondLst>
+                      <p:childTnLst>
+                        <p:par>
+                          <p:cTn id="12" fill="hold">
+                            <p:stCondLst>
+                              <p:cond delay="0"/>
+                            </p:stCondLst>
+                            <p:childTnLst>
+                              <p:par>
+                                <p:cTn id="13" presetID="1" presetClass="entr" presetSubtype="0" fill="hold" grpId="0" nodeType="clickEffect">
+                                  <p:stCondLst>
+                                    <p:cond delay="0"/>
+                                  </p:stCondLst>
+                                  <p:childTnLst>
+                                    <p:set>
+                                      <p:cBhvr>
+                                        <p:cTn id="14" dur="1" fill="hold">
+                                          <p:stCondLst>
+                                            <p:cond delay="0"/>
+                                          </p:stCondLst>
+                                        </p:cTn>
+                                        <p:tgtEl>
+                                          <p:spTgt spid="6"/>
+                                        </p:tgtEl>
+                                        <p:attrNameLst>
+                                          <p:attrName>style.visibility</p:attrName>
+                                        </p:attrNameLst>
+                                      </p:cBhvr>
+                                      <p:to>
+                                        <p:strVal val="visible"/>
+                                      </p:to>
+                                    </p:set>
+                                  </p:childTnLst>
+                                </p:cTn>
+                              </p:par>
+                            </p:childTnLst>
+                          </p:cTn>
+                        </p:par>
+                      </p:childTnLst>
+                    </p:cTn>
+                  </p:par>
                 </p:childTnLst>
               </p:cTn>
               <p:prevCondLst>
@@ -11231,12 +12248,14 @@
     </p:tnLst>
     <p:bldLst>
       <p:bldP spid="4" grpId="0"/>
+      <p:bldP spid="5" grpId="0"/>
+      <p:bldP spid="6" grpId="0"/>
     </p:bldLst>
   </p:timing>
 </p:sld>
 </file>
 
-<file path=ppt/slides/slide3.xml><?xml version="1.0" encoding="utf-8"?>
+<file path=ppt/slides/slide4.xml><?xml version="1.0" encoding="utf-8"?>
 <p:sld xmlns:a="http://schemas.openxmlformats.org/drawingml/2006/main" xmlns:r="http://schemas.openxmlformats.org/officeDocument/2006/relationships" xmlns:p="http://schemas.openxmlformats.org/presentationml/2006/main">
   <p:cSld>
     <p:spTree>
@@ -11395,7 +12414,7 @@
 </p:sld>
 </file>
 
-<file path=ppt/slides/slide4.xml><?xml version="1.0" encoding="utf-8"?>
+<file path=ppt/slides/slide5.xml><?xml version="1.0" encoding="utf-8"?>
 <p:sld xmlns:a="http://schemas.openxmlformats.org/drawingml/2006/main" xmlns:r="http://schemas.openxmlformats.org/officeDocument/2006/relationships" xmlns:p="http://schemas.openxmlformats.org/presentationml/2006/main">
   <p:cSld>
     <p:spTree>
@@ -11576,7 +12595,7 @@
 </p:sld>
 </file>
 
-<file path=ppt/slides/slide5.xml><?xml version="1.0" encoding="utf-8"?>
+<file path=ppt/slides/slide6.xml><?xml version="1.0" encoding="utf-8"?>
 <p:sld xmlns:a="http://schemas.openxmlformats.org/drawingml/2006/main" xmlns:r="http://schemas.openxmlformats.org/officeDocument/2006/relationships" xmlns:p="http://schemas.openxmlformats.org/presentationml/2006/main">
   <p:cSld>
     <p:spTree>
@@ -11841,7 +12860,7 @@
 </p:sld>
 </file>
 
-<file path=ppt/slides/slide6.xml><?xml version="1.0" encoding="utf-8"?>
+<file path=ppt/slides/slide7.xml><?xml version="1.0" encoding="utf-8"?>
 <p:sld xmlns:a="http://schemas.openxmlformats.org/drawingml/2006/main" xmlns:r="http://schemas.openxmlformats.org/officeDocument/2006/relationships" xmlns:p="http://schemas.openxmlformats.org/presentationml/2006/main">
   <p:cSld>
     <p:spTree>
@@ -12034,7 +13053,7 @@
 </p:sld>
 </file>
 
-<file path=ppt/slides/slide7.xml><?xml version="1.0" encoding="utf-8"?>
+<file path=ppt/slides/slide8.xml><?xml version="1.0" encoding="utf-8"?>
 <p:sld xmlns:a="http://schemas.openxmlformats.org/drawingml/2006/main" xmlns:r="http://schemas.openxmlformats.org/officeDocument/2006/relationships" xmlns:p="http://schemas.openxmlformats.org/presentationml/2006/main">
   <p:cSld>
     <p:spTree>
@@ -12240,7 +13259,7 @@
 </p:sld>
 </file>
 
-<file path=ppt/slides/slide8.xml><?xml version="1.0" encoding="utf-8"?>
+<file path=ppt/slides/slide9.xml><?xml version="1.0" encoding="utf-8"?>
 <p:sld xmlns:a="http://schemas.openxmlformats.org/drawingml/2006/main" xmlns:r="http://schemas.openxmlformats.org/officeDocument/2006/relationships" xmlns:p="http://schemas.openxmlformats.org/presentationml/2006/main">
   <p:cSld>
     <p:spTree>
@@ -12368,150 +13387,6 @@
     <p:extLst>
       <p:ext uri="{BB962C8B-B14F-4D97-AF65-F5344CB8AC3E}">
         <p14:creationId xmlns:p14="http://schemas.microsoft.com/office/powerpoint/2010/main" val="3256437585"/>
-      </p:ext>
-    </p:extLst>
-  </p:cSld>
-  <p:clrMapOvr>
-    <a:masterClrMapping/>
-  </p:clrMapOvr>
-  <p:timing>
-    <p:tnLst>
-      <p:par>
-        <p:cTn id="1" dur="indefinite" restart="never" nodeType="tmRoot"/>
-      </p:par>
-    </p:tnLst>
-  </p:timing>
-</p:sld>
-</file>
-
-<file path=ppt/slides/slide9.xml><?xml version="1.0" encoding="utf-8"?>
-<p:sld xmlns:a="http://schemas.openxmlformats.org/drawingml/2006/main" xmlns:r="http://schemas.openxmlformats.org/officeDocument/2006/relationships" xmlns:p="http://schemas.openxmlformats.org/presentationml/2006/main">
-  <p:cSld>
-    <p:spTree>
-      <p:nvGrpSpPr>
-        <p:cNvPr id="1" name=""/>
-        <p:cNvGrpSpPr/>
-        <p:nvPr/>
-      </p:nvGrpSpPr>
-      <p:grpSpPr>
-        <a:xfrm>
-          <a:off x="0" y="0"/>
-          <a:ext cx="0" cy="0"/>
-          <a:chOff x="0" y="0"/>
-          <a:chExt cx="0" cy="0"/>
-        </a:xfrm>
-      </p:grpSpPr>
-      <p:sp>
-        <p:nvSpPr>
-          <p:cNvPr id="4" name="圆角矩形 3"/>
-          <p:cNvSpPr/>
-          <p:nvPr/>
-        </p:nvSpPr>
-        <p:spPr>
-          <a:xfrm>
-            <a:off x="4071816" y="320431"/>
-            <a:ext cx="3040184" cy="914400"/>
-          </a:xfrm>
-          <a:prstGeom prst="roundRect">
-            <a:avLst/>
-          </a:prstGeom>
-        </p:spPr>
-        <p:style>
-          <a:lnRef idx="2">
-            <a:schemeClr val="accent1">
-              <a:shade val="50000"/>
-            </a:schemeClr>
-          </a:lnRef>
-          <a:fillRef idx="1">
-            <a:schemeClr val="accent1"/>
-          </a:fillRef>
-          <a:effectRef idx="0">
-            <a:schemeClr val="accent1"/>
-          </a:effectRef>
-          <a:fontRef idx="minor">
-            <a:schemeClr val="lt1"/>
-          </a:fontRef>
-        </p:style>
-        <p:txBody>
-          <a:bodyPr rtlCol="0" anchor="ctr"/>
-          <a:lstStyle/>
-          <a:p>
-            <a:pPr algn="ctr"/>
-            <a:r>
-              <a:rPr lang="zh-CN" altLang="en-US" dirty="0" smtClean="0"/>
-              <a:t>实现</a:t>
-            </a:r>
-            <a:endParaRPr lang="zh-CN" altLang="en-US" dirty="0"/>
-          </a:p>
-        </p:txBody>
-      </p:sp>
-      <p:sp>
-        <p:nvSpPr>
-          <p:cNvPr id="6" name="文本框 5"/>
-          <p:cNvSpPr txBox="1"/>
-          <p:nvPr/>
-        </p:nvSpPr>
-        <p:spPr>
-          <a:xfrm>
-            <a:off x="3930283" y="4297457"/>
-            <a:ext cx="3647152" cy="369332"/>
-          </a:xfrm>
-          <a:prstGeom prst="rect">
-            <a:avLst/>
-          </a:prstGeom>
-          <a:noFill/>
-        </p:spPr>
-        <p:txBody>
-          <a:bodyPr wrap="none" rtlCol="0">
-            <a:spAutoFit/>
-          </a:bodyPr>
-          <a:lstStyle/>
-          <a:p>
-            <a:r>
-              <a:rPr lang="zh-CN" altLang="en-US" dirty="0">
-                <a:solidFill>
-                  <a:schemeClr val="bg1"/>
-                </a:solidFill>
-              </a:rPr>
-              <a:t>一个类实现一个或多个接口的方法</a:t>
-            </a:r>
-          </a:p>
-        </p:txBody>
-      </p:sp>
-      <p:pic>
-        <p:nvPicPr>
-          <p:cNvPr id="2" name="图片 1"/>
-          <p:cNvPicPr>
-            <a:picLocks noChangeAspect="1"/>
-          </p:cNvPicPr>
-          <p:nvPr/>
-        </p:nvPicPr>
-        <p:blipFill>
-          <a:blip r:embed="rId2">
-            <a:extLst>
-              <a:ext uri="{28A0092B-C50C-407E-A947-70E740481C1C}">
-                <a14:useLocalDpi xmlns:a14="http://schemas.microsoft.com/office/drawing/2010/main" val="0"/>
-              </a:ext>
-            </a:extLst>
-          </a:blip>
-          <a:stretch>
-            <a:fillRect/>
-          </a:stretch>
-        </p:blipFill>
-        <p:spPr>
-          <a:xfrm>
-            <a:off x="4071816" y="2566621"/>
-            <a:ext cx="3714750" cy="1162050"/>
-          </a:xfrm>
-          <a:prstGeom prst="rect">
-            <a:avLst/>
-          </a:prstGeom>
-        </p:spPr>
-      </p:pic>
-    </p:spTree>
-    <p:extLst>
-      <p:ext uri="{BB962C8B-B14F-4D97-AF65-F5344CB8AC3E}">
-        <p14:creationId xmlns:p14="http://schemas.microsoft.com/office/powerpoint/2010/main" val="3020615378"/>
       </p:ext>
     </p:extLst>
   </p:cSld>
